--- a/JavaBasics-master/doc/Java Basics - [2] Introduction to OOP.pptx
+++ b/JavaBasics-master/doc/Java Basics - [2] Introduction to OOP.pptx
@@ -266,7 +266,7 @@
           <a:p>
             <a:fld id="{E23C31A4-E588-4D7D-8556-3E7A80E3618E}" type="datetimeFigureOut">
               <a:rPr lang="es-MX" smtClean="0"/>
-              <a:t>17/08/2015</a:t>
+              <a:t>09/11/2016</a:t>
             </a:fld>
             <a:endParaRPr lang="es-MX"/>
           </a:p>
@@ -444,7 +444,7 @@
               <a:pPr>
                 <a:defRPr/>
               </a:pPr>
-              <a:t>17/08/2015</a:t>
+              <a:t>09/11/2016</a:t>
             </a:fld>
             <a:endParaRPr lang="es-MX" dirty="0"/>
           </a:p>
@@ -11269,16 +11269,17 @@
           <a:lstStyle/>
           <a:p>
             <a:r>
-              <a:rPr lang="en-US" dirty="0"/>
-              <a:t>Diego Olvera</a:t>
-            </a:r>
-          </a:p>
-          <a:p>
-            <a:r>
-              <a:rPr lang="en-US" dirty="0">
+              <a:rPr lang="en-US" smtClean="0"/>
+              <a:t>Sarahi Flores</a:t>
+            </a:r>
+            <a:endParaRPr lang="en-US" dirty="0"/>
+          </a:p>
+          <a:p>
+            <a:r>
+              <a:rPr lang="en-US" dirty="0" smtClean="0">
                 <a:hlinkClick r:id="rId2"/>
               </a:rPr>
-              <a:t>diego.olvera@softtek.com</a:t>
+              <a:t>sarahi.flores@softtek.com</a:t>
             </a:r>
             <a:endParaRPr lang="en-US" dirty="0"/>
           </a:p>
@@ -15239,6 +15240,15 @@
 </file>
 
 <file path=customXml/item2.xml><?xml version="1.0" encoding="utf-8"?>
+<?mso-contentType ?>
+<FormTemplates xmlns="http://schemas.microsoft.com/sharepoint/v3/contenttype/forms">
+  <Display>DocumentLibraryForm</Display>
+  <Edit>DocumentLibraryForm</Edit>
+  <New>DocumentLibraryForm</New>
+</FormTemplates>
+</file>
+
+<file path=customXml/item3.xml><?xml version="1.0" encoding="utf-8"?>
 <ct:contentTypeSchema xmlns:ct="http://schemas.microsoft.com/office/2006/metadata/contentType" xmlns:ma="http://schemas.microsoft.com/office/2006/metadata/properties/metaAttributes" ct:_="" ma:_="" ma:contentTypeName="Document" ma:contentTypeID="0x010100BF73FF7AA600A74DA303202E068F3B98" ma:contentTypeVersion="0" ma:contentTypeDescription="Create a new document." ma:contentTypeScope="" ma:versionID="15e34d513bc1c5922fdc1b75015e707c">
   <xsd:schema xmlns:xsd="http://www.w3.org/2001/XMLSchema" xmlns:xs="http://www.w3.org/2001/XMLSchema" xmlns:p="http://schemas.microsoft.com/office/2006/metadata/properties" xmlns:ns2="90e5e253-50b2-47e0-ab40-088f51eedbac" targetNamespace="http://schemas.microsoft.com/office/2006/metadata/properties" ma:root="true" ma:fieldsID="7895aa71ad85a7a2616823a07b65eac8" ns2:_="">
     <xsd:import namespace="90e5e253-50b2-47e0-ab40-088f51eedbac"/>
@@ -15369,15 +15379,6 @@
 </ct:contentTypeSchema>
 </file>
 
-<file path=customXml/item3.xml><?xml version="1.0" encoding="utf-8"?>
-<?mso-contentType ?>
-<FormTemplates xmlns="http://schemas.microsoft.com/sharepoint/v3/contenttype/forms">
-  <Display>DocumentLibraryForm</Display>
-  <Edit>DocumentLibraryForm</Edit>
-  <New>DocumentLibraryForm</New>
-</FormTemplates>
-</file>
-
 <file path=customXml/itemProps1.xml><?xml version="1.0" encoding="utf-8"?>
 <ds:datastoreItem xmlns:ds="http://schemas.openxmlformats.org/officeDocument/2006/customXml" ds:itemID="{F878CFFA-FA4D-496F-B8D2-C7DD46C2A279}">
   <ds:schemaRefs>
@@ -15395,6 +15396,14 @@
 </file>
 
 <file path=customXml/itemProps2.xml><?xml version="1.0" encoding="utf-8"?>
+<ds:datastoreItem xmlns:ds="http://schemas.openxmlformats.org/officeDocument/2006/customXml" ds:itemID="{9D25E79C-CB22-414C-9E48-01ED10321A76}">
+  <ds:schemaRefs>
+    <ds:schemaRef ds:uri="http://schemas.microsoft.com/sharepoint/v3/contenttype/forms"/>
+  </ds:schemaRefs>
+</ds:datastoreItem>
+</file>
+
+<file path=customXml/itemProps3.xml><?xml version="1.0" encoding="utf-8"?>
 <ds:datastoreItem xmlns:ds="http://schemas.openxmlformats.org/officeDocument/2006/customXml" ds:itemID="{42AE7D4F-FA53-4617-A082-86779C2B9BEF}">
   <ds:schemaRefs>
     <ds:schemaRef ds:uri="http://schemas.microsoft.com/office/2006/metadata/contentType"/>
@@ -15410,12 +15419,4 @@
     <ds:schemaRef ds:uri="http://schemas.microsoft.com/internal/obd"/>
   </ds:schemaRefs>
 </ds:datastoreItem>
-</file>
-
-<file path=customXml/itemProps3.xml><?xml version="1.0" encoding="utf-8"?>
-<ds:datastoreItem xmlns:ds="http://schemas.openxmlformats.org/officeDocument/2006/customXml" ds:itemID="{9D25E79C-CB22-414C-9E48-01ED10321A76}">
-  <ds:schemaRefs>
-    <ds:schemaRef ds:uri="http://schemas.microsoft.com/sharepoint/v3/contenttype/forms"/>
-  </ds:schemaRefs>
-</ds:datastoreItem>
 </file>